--- a/review 1 ppt.pptx
+++ b/review 1 ppt.pptx
@@ -11,11 +11,12 @@
     <p:sldId id="258" r:id="rId5"/>
     <p:sldId id="260" r:id="rId6"/>
     <p:sldId id="261" r:id="rId7"/>
-    <p:sldId id="264" r:id="rId8"/>
-    <p:sldId id="265" r:id="rId9"/>
-    <p:sldId id="263" r:id="rId10"/>
-    <p:sldId id="268" r:id="rId11"/>
-    <p:sldId id="257" r:id="rId12"/>
+    <p:sldId id="269" r:id="rId8"/>
+    <p:sldId id="264" r:id="rId9"/>
+    <p:sldId id="265" r:id="rId10"/>
+    <p:sldId id="263" r:id="rId11"/>
+    <p:sldId id="268" r:id="rId12"/>
+    <p:sldId id="257" r:id="rId13"/>
   </p:sldIdLst>
   <p:sldSz cx="12192000" cy="6858000"/>
   <p:notesSz cx="6858000" cy="9144000"/>
@@ -2229,6 +2230,243 @@
       <dsp:cNvGrpSpPr/>
     </dsp:nvGrpSpPr>
     <dsp:grpSpPr/>
+    <dsp:sp modelId="{37F73CE4-C6AB-47AF-B7BB-A192E0461A5B}">
+      <dsp:nvSpPr>
+        <dsp:cNvPr id="0" name=""/>
+        <dsp:cNvSpPr/>
+      </dsp:nvSpPr>
+      <dsp:spPr>
+        <a:xfrm>
+          <a:off x="3396649" y="0"/>
+          <a:ext cx="5094974" cy="1940461"/>
+        </a:xfrm>
+        <a:prstGeom prst="rightArrow">
+          <a:avLst>
+            <a:gd name="adj1" fmla="val 75000"/>
+            <a:gd name="adj2" fmla="val 50000"/>
+          </a:avLst>
+        </a:prstGeom>
+        <a:solidFill>
+          <a:schemeClr val="accent1">
+            <a:alpha val="90000"/>
+            <a:tint val="40000"/>
+            <a:hueOff val="0"/>
+            <a:satOff val="0"/>
+            <a:lumOff val="0"/>
+            <a:alphaOff val="0"/>
+          </a:schemeClr>
+        </a:solidFill>
+        <a:ln w="19050" cap="rnd" cmpd="sng" algn="ctr">
+          <a:solidFill>
+            <a:schemeClr val="accent1">
+              <a:alpha val="90000"/>
+              <a:tint val="40000"/>
+              <a:hueOff val="0"/>
+              <a:satOff val="0"/>
+              <a:lumOff val="0"/>
+              <a:alphaOff val="0"/>
+            </a:schemeClr>
+          </a:solidFill>
+          <a:prstDash val="solid"/>
+        </a:ln>
+        <a:effectLst/>
+      </dsp:spPr>
+      <dsp:style>
+        <a:lnRef idx="2">
+          <a:scrgbClr r="0" g="0" b="0"/>
+        </a:lnRef>
+        <a:fillRef idx="1">
+          <a:scrgbClr r="0" g="0" b="0"/>
+        </a:fillRef>
+        <a:effectRef idx="0">
+          <a:scrgbClr r="0" g="0" b="0"/>
+        </a:effectRef>
+        <a:fontRef idx="minor"/>
+      </dsp:style>
+      <dsp:txBody>
+        <a:bodyPr spcFirstLastPara="0" vert="horz" wrap="square" lIns="12700" tIns="12700" rIns="12700" bIns="12700" numCol="1" spcCol="1270" anchor="t" anchorCtr="0">
+          <a:noAutofit/>
+        </a:bodyPr>
+        <a:lstStyle/>
+        <a:p>
+          <a:pPr marL="228600" lvl="1" indent="-228600" algn="l" defTabSz="889000">
+            <a:lnSpc>
+              <a:spcPct val="90000"/>
+            </a:lnSpc>
+            <a:spcBef>
+              <a:spcPct val="0"/>
+            </a:spcBef>
+            <a:spcAft>
+              <a:spcPct val="15000"/>
+            </a:spcAft>
+            <a:buChar char="••"/>
+          </a:pPr>
+          <a:r>
+            <a:rPr lang="en-US" sz="2000" kern="1200" dirty="0" smtClean="0">
+              <a:latin typeface="Calibri" panose="020F0502020204030204" pitchFamily="34" charset="0"/>
+            </a:rPr>
+            <a:t>Types: Positive and negative</a:t>
+          </a:r>
+          <a:endParaRPr lang="en-US" sz="2000" kern="1200" dirty="0">
+            <a:latin typeface="Calibri" panose="020F0502020204030204" pitchFamily="34" charset="0"/>
+          </a:endParaRPr>
+        </a:p>
+        <a:p>
+          <a:pPr marL="228600" lvl="1" indent="-228600" algn="l" defTabSz="889000">
+            <a:lnSpc>
+              <a:spcPct val="90000"/>
+            </a:lnSpc>
+            <a:spcBef>
+              <a:spcPct val="0"/>
+            </a:spcBef>
+            <a:spcAft>
+              <a:spcPct val="15000"/>
+            </a:spcAft>
+            <a:buChar char="••"/>
+          </a:pPr>
+          <a:r>
+            <a:rPr lang="en-US" sz="2000" kern="1200" dirty="0" smtClean="0">
+              <a:latin typeface="Calibri" panose="020F0502020204030204" pitchFamily="34" charset="0"/>
+            </a:rPr>
+            <a:t>Size: Total: 1000 reviews</a:t>
+          </a:r>
+          <a:endParaRPr lang="en-US" sz="2000" kern="1200" dirty="0">
+            <a:latin typeface="Calibri" panose="020F0502020204030204" pitchFamily="34" charset="0"/>
+          </a:endParaRPr>
+        </a:p>
+        <a:p>
+          <a:pPr marL="228600" lvl="1" indent="-228600" algn="l" defTabSz="889000">
+            <a:lnSpc>
+              <a:spcPct val="90000"/>
+            </a:lnSpc>
+            <a:spcBef>
+              <a:spcPct val="0"/>
+            </a:spcBef>
+            <a:spcAft>
+              <a:spcPct val="15000"/>
+            </a:spcAft>
+            <a:buChar char="••"/>
+          </a:pPr>
+          <a:r>
+            <a:rPr lang="en-US" sz="2000" kern="1200" dirty="0" smtClean="0">
+              <a:latin typeface="Calibri" panose="020F0502020204030204" pitchFamily="34" charset="0"/>
+            </a:rPr>
+            <a:t>          Positive: 500 reviews                          </a:t>
+          </a:r>
+          <a:endParaRPr lang="en-US" sz="2000" kern="1200" dirty="0">
+            <a:latin typeface="Calibri" panose="020F0502020204030204" pitchFamily="34" charset="0"/>
+          </a:endParaRPr>
+        </a:p>
+        <a:p>
+          <a:pPr marL="228600" lvl="1" indent="-228600" algn="l" defTabSz="889000">
+            <a:lnSpc>
+              <a:spcPct val="90000"/>
+            </a:lnSpc>
+            <a:spcBef>
+              <a:spcPct val="0"/>
+            </a:spcBef>
+            <a:spcAft>
+              <a:spcPct val="15000"/>
+            </a:spcAft>
+            <a:buChar char="••"/>
+          </a:pPr>
+          <a:r>
+            <a:rPr lang="en-US" sz="2000" kern="1200" dirty="0" smtClean="0">
+              <a:latin typeface="Calibri" panose="020F0502020204030204" pitchFamily="34" charset="0"/>
+            </a:rPr>
+            <a:t>          Negative: 500 reviews</a:t>
+          </a:r>
+          <a:endParaRPr lang="en-US" sz="2000" kern="1200" dirty="0">
+            <a:latin typeface="Calibri" panose="020F0502020204030204" pitchFamily="34" charset="0"/>
+          </a:endParaRPr>
+        </a:p>
+      </dsp:txBody>
+      <dsp:txXfrm>
+        <a:off x="3396649" y="242558"/>
+        <a:ext cx="4367301" cy="1455345"/>
+      </dsp:txXfrm>
+    </dsp:sp>
+    <dsp:sp modelId="{26F0EBBA-556E-488D-BA58-C2961674DAAC}">
+      <dsp:nvSpPr>
+        <dsp:cNvPr id="0" name=""/>
+        <dsp:cNvSpPr/>
+      </dsp:nvSpPr>
+      <dsp:spPr>
+        <a:xfrm>
+          <a:off x="0" y="0"/>
+          <a:ext cx="3396649" cy="1940461"/>
+        </a:xfrm>
+        <a:prstGeom prst="roundRect">
+          <a:avLst/>
+        </a:prstGeom>
+        <a:solidFill>
+          <a:schemeClr val="accent1">
+            <a:hueOff val="0"/>
+            <a:satOff val="0"/>
+            <a:lumOff val="0"/>
+            <a:alphaOff val="0"/>
+          </a:schemeClr>
+        </a:solidFill>
+        <a:ln w="19050" cap="rnd" cmpd="sng" algn="ctr">
+          <a:solidFill>
+            <a:schemeClr val="lt1">
+              <a:hueOff val="0"/>
+              <a:satOff val="0"/>
+              <a:lumOff val="0"/>
+              <a:alphaOff val="0"/>
+            </a:schemeClr>
+          </a:solidFill>
+          <a:prstDash val="solid"/>
+        </a:ln>
+        <a:effectLst/>
+      </dsp:spPr>
+      <dsp:style>
+        <a:lnRef idx="2">
+          <a:scrgbClr r="0" g="0" b="0"/>
+        </a:lnRef>
+        <a:fillRef idx="1">
+          <a:scrgbClr r="0" g="0" b="0"/>
+        </a:fillRef>
+        <a:effectRef idx="0">
+          <a:scrgbClr r="0" g="0" b="0"/>
+        </a:effectRef>
+        <a:fontRef idx="minor">
+          <a:schemeClr val="lt1"/>
+        </a:fontRef>
+      </dsp:style>
+      <dsp:txBody>
+        <a:bodyPr spcFirstLastPara="0" vert="horz" wrap="square" lIns="91440" tIns="45720" rIns="91440" bIns="45720" numCol="1" spcCol="1270" anchor="ctr" anchorCtr="0">
+          <a:noAutofit/>
+        </a:bodyPr>
+        <a:lstStyle/>
+        <a:p>
+          <a:pPr lvl="0" algn="ctr" defTabSz="1066800">
+            <a:lnSpc>
+              <a:spcPct val="90000"/>
+            </a:lnSpc>
+            <a:spcBef>
+              <a:spcPct val="0"/>
+            </a:spcBef>
+            <a:spcAft>
+              <a:spcPct val="35000"/>
+            </a:spcAft>
+          </a:pPr>
+          <a:r>
+            <a:rPr lang="en-US" sz="2400" kern="1200" dirty="0" smtClean="0">
+              <a:latin typeface="Calibri" panose="020F0502020204030204" pitchFamily="34" charset="0"/>
+            </a:rPr>
+            <a:t>Cornell movie dataset</a:t>
+          </a:r>
+          <a:endParaRPr lang="en-US" sz="2400" kern="1200" dirty="0">
+            <a:latin typeface="Calibri" panose="020F0502020204030204" pitchFamily="34" charset="0"/>
+          </a:endParaRPr>
+        </a:p>
+      </dsp:txBody>
+      <dsp:txXfrm>
+        <a:off x="94725" y="94725"/>
+        <a:ext cx="3207199" cy="1751011"/>
+      </dsp:txXfrm>
+    </dsp:sp>
   </dsp:spTree>
 </dsp:drawing>
 </file>
@@ -2241,6 +2479,239 @@
       <dsp:cNvGrpSpPr/>
     </dsp:nvGrpSpPr>
     <dsp:grpSpPr/>
+    <dsp:sp modelId="{50395F43-E854-4ADA-9856-390404D6E7D4}">
+      <dsp:nvSpPr>
+        <dsp:cNvPr id="0" name=""/>
+        <dsp:cNvSpPr/>
+      </dsp:nvSpPr>
+      <dsp:spPr>
+        <a:xfrm>
+          <a:off x="3404144" y="0"/>
+          <a:ext cx="5106217" cy="1876937"/>
+        </a:xfrm>
+        <a:prstGeom prst="rightArrow">
+          <a:avLst>
+            <a:gd name="adj1" fmla="val 75000"/>
+            <a:gd name="adj2" fmla="val 50000"/>
+          </a:avLst>
+        </a:prstGeom>
+        <a:solidFill>
+          <a:schemeClr val="accent1">
+            <a:alpha val="90000"/>
+            <a:tint val="40000"/>
+            <a:hueOff val="0"/>
+            <a:satOff val="0"/>
+            <a:lumOff val="0"/>
+            <a:alphaOff val="0"/>
+          </a:schemeClr>
+        </a:solidFill>
+        <a:ln w="19050" cap="rnd" cmpd="sng" algn="ctr">
+          <a:solidFill>
+            <a:schemeClr val="accent1">
+              <a:alpha val="90000"/>
+              <a:tint val="40000"/>
+              <a:hueOff val="0"/>
+              <a:satOff val="0"/>
+              <a:lumOff val="0"/>
+              <a:alphaOff val="0"/>
+            </a:schemeClr>
+          </a:solidFill>
+          <a:prstDash val="solid"/>
+        </a:ln>
+        <a:effectLst/>
+      </dsp:spPr>
+      <dsp:style>
+        <a:lnRef idx="2">
+          <a:scrgbClr r="0" g="0" b="0"/>
+        </a:lnRef>
+        <a:fillRef idx="1">
+          <a:scrgbClr r="0" g="0" b="0"/>
+        </a:fillRef>
+        <a:effectRef idx="0">
+          <a:scrgbClr r="0" g="0" b="0"/>
+        </a:effectRef>
+        <a:fontRef idx="minor"/>
+      </dsp:style>
+      <dsp:txBody>
+        <a:bodyPr spcFirstLastPara="0" vert="horz" wrap="square" lIns="11430" tIns="11430" rIns="11430" bIns="11430" numCol="1" spcCol="1270" anchor="t" anchorCtr="0">
+          <a:noAutofit/>
+        </a:bodyPr>
+        <a:lstStyle/>
+        <a:p>
+          <a:pPr marL="171450" lvl="1" indent="-171450" algn="l" defTabSz="800100">
+            <a:lnSpc>
+              <a:spcPct val="90000"/>
+            </a:lnSpc>
+            <a:spcBef>
+              <a:spcPct val="0"/>
+            </a:spcBef>
+            <a:spcAft>
+              <a:spcPct val="15000"/>
+            </a:spcAft>
+            <a:buChar char="••"/>
+          </a:pPr>
+          <a:r>
+            <a:rPr lang="en-US" sz="1800" kern="1200" smtClean="0">
+              <a:latin typeface="Calibri" panose="020F0502020204030204" pitchFamily="34" charset="0"/>
+            </a:rPr>
+            <a:t>Types: Positive and negative</a:t>
+          </a:r>
+          <a:endParaRPr lang="en-IN" sz="1800" kern="1200" dirty="0"/>
+        </a:p>
+        <a:p>
+          <a:pPr marL="171450" lvl="1" indent="-171450" algn="l" defTabSz="800100">
+            <a:lnSpc>
+              <a:spcPct val="90000"/>
+            </a:lnSpc>
+            <a:spcBef>
+              <a:spcPct val="0"/>
+            </a:spcBef>
+            <a:spcAft>
+              <a:spcPct val="15000"/>
+            </a:spcAft>
+            <a:buChar char="••"/>
+          </a:pPr>
+          <a:r>
+            <a:rPr lang="en-US" sz="1800" kern="1200" dirty="0" smtClean="0">
+              <a:latin typeface="Calibri" panose="020F0502020204030204" pitchFamily="34" charset="0"/>
+            </a:rPr>
+            <a:t>Size: Total: 1000 reviews</a:t>
+          </a:r>
+          <a:endParaRPr lang="en-US" sz="1800" kern="1200" dirty="0">
+            <a:latin typeface="Calibri" panose="020F0502020204030204" pitchFamily="34" charset="0"/>
+          </a:endParaRPr>
+        </a:p>
+        <a:p>
+          <a:pPr marL="171450" lvl="1" indent="-171450" algn="l" defTabSz="800100">
+            <a:lnSpc>
+              <a:spcPct val="90000"/>
+            </a:lnSpc>
+            <a:spcBef>
+              <a:spcPct val="0"/>
+            </a:spcBef>
+            <a:spcAft>
+              <a:spcPct val="15000"/>
+            </a:spcAft>
+            <a:buChar char="••"/>
+          </a:pPr>
+          <a:r>
+            <a:rPr lang="en-US" sz="1800" kern="1200" dirty="0" smtClean="0">
+              <a:latin typeface="Calibri" panose="020F0502020204030204" pitchFamily="34" charset="0"/>
+            </a:rPr>
+            <a:t>          Positive: 500 reviews                          </a:t>
+          </a:r>
+          <a:endParaRPr lang="en-US" sz="1800" kern="1200" dirty="0">
+            <a:latin typeface="Calibri" panose="020F0502020204030204" pitchFamily="34" charset="0"/>
+          </a:endParaRPr>
+        </a:p>
+        <a:p>
+          <a:pPr marL="171450" lvl="1" indent="-171450" algn="l" defTabSz="800100">
+            <a:lnSpc>
+              <a:spcPct val="90000"/>
+            </a:lnSpc>
+            <a:spcBef>
+              <a:spcPct val="0"/>
+            </a:spcBef>
+            <a:spcAft>
+              <a:spcPct val="15000"/>
+            </a:spcAft>
+            <a:buChar char="••"/>
+          </a:pPr>
+          <a:r>
+            <a:rPr lang="en-US" sz="1800" kern="1200" dirty="0" smtClean="0">
+              <a:latin typeface="Calibri" panose="020F0502020204030204" pitchFamily="34" charset="0"/>
+            </a:rPr>
+            <a:t>          Negative: 500 reviews</a:t>
+          </a:r>
+          <a:endParaRPr lang="en-US" sz="1800" kern="1200" dirty="0">
+            <a:latin typeface="Calibri" panose="020F0502020204030204" pitchFamily="34" charset="0"/>
+          </a:endParaRPr>
+        </a:p>
+      </dsp:txBody>
+      <dsp:txXfrm>
+        <a:off x="3404144" y="234617"/>
+        <a:ext cx="4402366" cy="1407703"/>
+      </dsp:txXfrm>
+    </dsp:sp>
+    <dsp:sp modelId="{BA1BA24D-447B-49CC-B92D-360B406B82CF}">
+      <dsp:nvSpPr>
+        <dsp:cNvPr id="0" name=""/>
+        <dsp:cNvSpPr/>
+      </dsp:nvSpPr>
+      <dsp:spPr>
+        <a:xfrm>
+          <a:off x="0" y="0"/>
+          <a:ext cx="3404144" cy="1876937"/>
+        </a:xfrm>
+        <a:prstGeom prst="roundRect">
+          <a:avLst/>
+        </a:prstGeom>
+        <a:solidFill>
+          <a:schemeClr val="accent1">
+            <a:hueOff val="0"/>
+            <a:satOff val="0"/>
+            <a:lumOff val="0"/>
+            <a:alphaOff val="0"/>
+          </a:schemeClr>
+        </a:solidFill>
+        <a:ln w="19050" cap="rnd" cmpd="sng" algn="ctr">
+          <a:solidFill>
+            <a:schemeClr val="lt1">
+              <a:hueOff val="0"/>
+              <a:satOff val="0"/>
+              <a:lumOff val="0"/>
+              <a:alphaOff val="0"/>
+            </a:schemeClr>
+          </a:solidFill>
+          <a:prstDash val="solid"/>
+        </a:ln>
+        <a:effectLst/>
+      </dsp:spPr>
+      <dsp:style>
+        <a:lnRef idx="2">
+          <a:scrgbClr r="0" g="0" b="0"/>
+        </a:lnRef>
+        <a:fillRef idx="1">
+          <a:scrgbClr r="0" g="0" b="0"/>
+        </a:fillRef>
+        <a:effectRef idx="0">
+          <a:scrgbClr r="0" g="0" b="0"/>
+        </a:effectRef>
+        <a:fontRef idx="minor">
+          <a:schemeClr val="lt1"/>
+        </a:fontRef>
+      </dsp:style>
+      <dsp:txBody>
+        <a:bodyPr spcFirstLastPara="0" vert="horz" wrap="square" lIns="91440" tIns="45720" rIns="91440" bIns="45720" numCol="1" spcCol="1270" anchor="ctr" anchorCtr="0">
+          <a:noAutofit/>
+        </a:bodyPr>
+        <a:lstStyle/>
+        <a:p>
+          <a:pPr lvl="0" algn="ctr" defTabSz="1066800">
+            <a:lnSpc>
+              <a:spcPct val="90000"/>
+            </a:lnSpc>
+            <a:spcBef>
+              <a:spcPct val="0"/>
+            </a:spcBef>
+            <a:spcAft>
+              <a:spcPct val="35000"/>
+            </a:spcAft>
+          </a:pPr>
+          <a:r>
+            <a:rPr lang="en-US" sz="2400" kern="1200" dirty="0" smtClean="0">
+              <a:latin typeface="Calibri" panose="020F0502020204030204" pitchFamily="34" charset="0"/>
+            </a:rPr>
+            <a:t>Amazon dataset</a:t>
+          </a:r>
+          <a:endParaRPr lang="en-IN" sz="2400" kern="1200" dirty="0"/>
+        </a:p>
+      </dsp:txBody>
+      <dsp:txXfrm>
+        <a:off x="91625" y="91625"/>
+        <a:ext cx="3220894" cy="1693687"/>
+      </dsp:txXfrm>
+    </dsp:sp>
   </dsp:spTree>
 </dsp:drawing>
 </file>
@@ -10663,7 +11134,7 @@
         </p:nvSpPr>
         <p:spPr>
           <a:xfrm>
-            <a:off x="2087253" y="2413018"/>
+            <a:off x="2199987" y="1879396"/>
             <a:ext cx="8825658" cy="1959279"/>
           </a:xfrm>
         </p:spPr>
@@ -10708,7 +11179,7 @@
         </p:nvSpPr>
         <p:spPr>
           <a:xfrm>
-            <a:off x="2833089" y="3844737"/>
+            <a:off x="2945823" y="3293592"/>
             <a:ext cx="8825658" cy="861420"/>
           </a:xfrm>
         </p:spPr>
@@ -10950,6 +11421,85 @@
           <a:p>
             <a:r>
               <a:rPr lang="en-US" dirty="0" smtClean="0"/>
+              <a:t>Non-Functional requirements</a:t>
+            </a:r>
+            <a:endParaRPr lang="en-US" dirty="0"/>
+          </a:p>
+        </p:txBody>
+      </p:sp>
+      <p:sp>
+        <p:nvSpPr>
+          <p:cNvPr id="3" name="Content Placeholder 2"/>
+          <p:cNvSpPr>
+            <a:spLocks noGrp="1"/>
+          </p:cNvSpPr>
+          <p:nvPr>
+            <p:ph idx="1"/>
+          </p:nvPr>
+        </p:nvSpPr>
+        <p:spPr/>
+        <p:txBody>
+          <a:bodyPr/>
+          <a:lstStyle/>
+          <a:p>
+            <a:endParaRPr lang="en-US"/>
+          </a:p>
+        </p:txBody>
+      </p:sp>
+    </p:spTree>
+    <p:extLst>
+      <p:ext uri="{BB962C8B-B14F-4D97-AF65-F5344CB8AC3E}">
+        <p14:creationId xmlns:p14="http://schemas.microsoft.com/office/powerpoint/2010/main" val="4290764866"/>
+      </p:ext>
+    </p:extLst>
+  </p:cSld>
+  <p:clrMapOvr>
+    <a:masterClrMapping/>
+  </p:clrMapOvr>
+  <p:timing>
+    <p:tnLst>
+      <p:par>
+        <p:cTn id="1" dur="indefinite" restart="never" nodeType="tmRoot"/>
+      </p:par>
+    </p:tnLst>
+  </p:timing>
+</p:sld>
+</file>
+
+<file path=ppt/slides/slide11.xml><?xml version="1.0" encoding="utf-8"?>
+<p:sld xmlns:a="http://schemas.openxmlformats.org/drawingml/2006/main" xmlns:r="http://schemas.openxmlformats.org/officeDocument/2006/relationships" xmlns:p="http://schemas.openxmlformats.org/presentationml/2006/main">
+  <p:cSld>
+    <p:spTree>
+      <p:nvGrpSpPr>
+        <p:cNvPr id="1" name=""/>
+        <p:cNvGrpSpPr/>
+        <p:nvPr/>
+      </p:nvGrpSpPr>
+      <p:grpSpPr>
+        <a:xfrm>
+          <a:off x="0" y="0"/>
+          <a:ext cx="0" cy="0"/>
+          <a:chOff x="0" y="0"/>
+          <a:chExt cx="0" cy="0"/>
+        </a:xfrm>
+      </p:grpSpPr>
+      <p:sp>
+        <p:nvSpPr>
+          <p:cNvPr id="2" name="Title 1"/>
+          <p:cNvSpPr>
+            <a:spLocks noGrp="1"/>
+          </p:cNvSpPr>
+          <p:nvPr>
+            <p:ph type="title"/>
+          </p:nvPr>
+        </p:nvSpPr>
+        <p:spPr/>
+        <p:txBody>
+          <a:bodyPr/>
+          <a:lstStyle/>
+          <a:p>
+            <a:r>
+              <a:rPr lang="en-US" dirty="0" smtClean="0"/>
               <a:t>References:</a:t>
             </a:r>
             <a:endParaRPr lang="en-US" dirty="0"/>
@@ -11252,7 +11802,7 @@
 </p:sld>
 </file>
 
-<file path=ppt/slides/slide11.xml><?xml version="1.0" encoding="utf-8"?>
+<file path=ppt/slides/slide12.xml><?xml version="1.0" encoding="utf-8"?>
 <p:sld xmlns:a="http://schemas.openxmlformats.org/drawingml/2006/main" xmlns:r="http://schemas.openxmlformats.org/officeDocument/2006/relationships" xmlns:p="http://schemas.openxmlformats.org/presentationml/2006/main">
   <p:cSld>
     <p:spTree>
@@ -11580,12 +12130,148 @@
             <p:ph idx="1"/>
           </p:nvPr>
         </p:nvSpPr>
-        <p:spPr/>
-        <p:txBody>
-          <a:bodyPr/>
+        <p:spPr>
+          <a:xfrm>
+            <a:off x="1103312" y="1365337"/>
+            <a:ext cx="9268239" cy="5210827"/>
+          </a:xfrm>
+        </p:spPr>
+        <p:txBody>
+          <a:bodyPr>
+            <a:normAutofit fontScale="85000" lnSpcReduction="10000"/>
+          </a:bodyPr>
           <a:lstStyle/>
           <a:p>
-            <a:endParaRPr lang="en-IN"/>
+            <a:pPr algn="just"/>
+            <a:endParaRPr lang="en-IN" dirty="0" smtClean="0"/>
+          </a:p>
+          <a:p>
+            <a:pPr algn="just"/>
+            <a:r>
+              <a:rPr lang="en-IN" dirty="0" smtClean="0"/>
+              <a:t>Various methods are used </a:t>
+            </a:r>
+            <a:r>
+              <a:rPr lang="en-IN" dirty="0"/>
+              <a:t>for sentiment analysis </a:t>
+            </a:r>
+            <a:r>
+              <a:rPr lang="en-IN" dirty="0" smtClean="0"/>
+              <a:t>. Such as:</a:t>
+            </a:r>
+            <a:endParaRPr lang="en-IN" dirty="0"/>
+          </a:p>
+          <a:p>
+            <a:pPr algn="just">
+              <a:buNone/>
+            </a:pPr>
+            <a:r>
+              <a:rPr lang="en-IN" dirty="0"/>
+              <a:t>            - Feature selection methods like Lexicon(Dictionary of associated words and phrases with their associative weights), parts-of-speech based approaches.</a:t>
+            </a:r>
+          </a:p>
+          <a:p>
+            <a:pPr algn="just">
+              <a:buNone/>
+            </a:pPr>
+            <a:r>
+              <a:rPr lang="en-IN" dirty="0"/>
+              <a:t>            - clustering of data using word to vector conversions.</a:t>
+            </a:r>
+          </a:p>
+          <a:p>
+            <a:pPr algn="just">
+              <a:buNone/>
+            </a:pPr>
+            <a:r>
+              <a:rPr lang="en-IN" dirty="0"/>
+              <a:t>            - Usage of unigram, bigram and n-gram model.(Which predicts the next item in such a sequence)</a:t>
+            </a:r>
+          </a:p>
+          <a:p>
+            <a:pPr algn="just">
+              <a:buNone/>
+            </a:pPr>
+            <a:r>
+              <a:rPr lang="en-IN" dirty="0"/>
+              <a:t>            -The  combination of TF(Term frequency) and IDF(Inverse Document Frequency) is used. Statistical measures are used for this purpose.</a:t>
+            </a:r>
+          </a:p>
+          <a:p>
+            <a:pPr algn="just">
+              <a:buNone/>
+            </a:pPr>
+            <a:endParaRPr lang="en-IN" dirty="0"/>
+          </a:p>
+          <a:p>
+            <a:pPr algn="just"/>
+            <a:r>
+              <a:rPr lang="en-IN" dirty="0" smtClean="0"/>
+              <a:t> </a:t>
+            </a:r>
+            <a:r>
+              <a:rPr lang="en-IN" dirty="0"/>
+              <a:t>Classification  is performed  using tools like Naive </a:t>
+            </a:r>
+            <a:r>
+              <a:rPr lang="en-IN" dirty="0" smtClean="0"/>
+              <a:t>Bayes' </a:t>
+            </a:r>
+            <a:r>
+              <a:rPr lang="en-IN" dirty="0"/>
+              <a:t>classifier, LIBSVM and variants of SVM like SVM-</a:t>
+            </a:r>
+            <a:r>
+              <a:rPr lang="en-IN" dirty="0" err="1"/>
+              <a:t>perf</a:t>
+            </a:r>
+            <a:r>
+              <a:rPr lang="en-IN" dirty="0"/>
+              <a:t>(which enhances the speed and accuracy of </a:t>
+            </a:r>
+            <a:r>
+              <a:rPr lang="en-IN" dirty="0" smtClean="0"/>
+              <a:t>precision), </a:t>
+            </a:r>
+            <a:r>
+              <a:rPr lang="en-IN" dirty="0"/>
+              <a:t>SVM-light are also used</a:t>
+            </a:r>
+            <a:r>
+              <a:rPr lang="en-IN" dirty="0" smtClean="0"/>
+              <a:t>.     </a:t>
+            </a:r>
+            <a:endParaRPr lang="en-IN" dirty="0"/>
+          </a:p>
+          <a:p>
+            <a:pPr algn="just">
+              <a:buNone/>
+            </a:pPr>
+            <a:r>
+              <a:rPr lang="en-IN" dirty="0"/>
+              <a:t>                </a:t>
+            </a:r>
+          </a:p>
+          <a:p>
+            <a:pPr algn="just">
+              <a:buNone/>
+            </a:pPr>
+            <a:r>
+              <a:rPr lang="en-IN" dirty="0"/>
+              <a:t>    </a:t>
+            </a:r>
+          </a:p>
+          <a:p>
+            <a:pPr algn="just">
+              <a:buNone/>
+            </a:pPr>
+            <a:r>
+              <a:rPr lang="en-IN" dirty="0"/>
+              <a:t> </a:t>
+            </a:r>
+          </a:p>
+          <a:p>
+            <a:endParaRPr lang="en-IN" dirty="0"/>
           </a:p>
         </p:txBody>
       </p:sp>
@@ -13373,6 +14059,514 @@
           <a:lstStyle/>
           <a:p>
             <a:r>
+              <a:rPr lang="en-IN" dirty="0" smtClean="0"/>
+              <a:t>Evaluation of result</a:t>
+            </a:r>
+            <a:endParaRPr lang="en-IN" dirty="0"/>
+          </a:p>
+        </p:txBody>
+      </p:sp>
+      <p:sp>
+        <p:nvSpPr>
+          <p:cNvPr id="3" name="Content Placeholder 2"/>
+          <p:cNvSpPr>
+            <a:spLocks noGrp="1"/>
+          </p:cNvSpPr>
+          <p:nvPr>
+            <p:ph idx="1"/>
+          </p:nvPr>
+        </p:nvSpPr>
+        <p:spPr/>
+        <p:txBody>
+          <a:bodyPr/>
+          <a:lstStyle/>
+          <a:p>
+            <a:r>
+              <a:rPr lang="en-IN" dirty="0" smtClean="0"/>
+              <a:t> we evaluate the experimental results with precision, recall and F1 Score. These three classic values are utilized to measure the performance of positive and negative class respectively.   </a:t>
+            </a:r>
+          </a:p>
+          <a:p>
+            <a:r>
+              <a:rPr lang="en-IN" dirty="0" smtClean="0"/>
+              <a:t>Accuracy is another criterion, which is used to evaluate the overall performance of sentiment classification.</a:t>
+            </a:r>
+            <a:endParaRPr lang="en-IN" dirty="0"/>
+          </a:p>
+        </p:txBody>
+      </p:sp>
+      <p:graphicFrame>
+        <p:nvGraphicFramePr>
+          <p:cNvPr id="4" name="Table 3"/>
+          <p:cNvGraphicFramePr>
+            <a:graphicFrameLocks noGrp="1"/>
+          </p:cNvGraphicFramePr>
+          <p:nvPr/>
+        </p:nvGraphicFramePr>
+        <p:xfrm>
+          <a:off x="2926079" y="5003072"/>
+          <a:ext cx="2638698" cy="731520"/>
+        </p:xfrm>
+        <a:graphic>
+          <a:graphicData uri="http://schemas.openxmlformats.org/drawingml/2006/table">
+            <a:tbl>
+              <a:tblPr firstRow="1" bandRow="1">
+                <a:tableStyleId>{5C22544A-7EE6-4342-B048-85BDC9FD1C3A}</a:tableStyleId>
+              </a:tblPr>
+              <a:tblGrid>
+                <a:gridCol w="1310839"/>
+                <a:gridCol w="1327859"/>
+              </a:tblGrid>
+              <a:tr h="240834">
+                <a:tc>
+                  <a:txBody>
+                    <a:bodyPr/>
+                    <a:lstStyle/>
+                    <a:p>
+                      <a:r>
+                        <a:rPr lang="en-IN" dirty="0" smtClean="0"/>
+                        <a:t>a</a:t>
+                      </a:r>
+                      <a:endParaRPr lang="en-IN" dirty="0"/>
+                    </a:p>
+                  </a:txBody>
+                  <a:tcPr/>
+                </a:tc>
+                <a:tc>
+                  <a:txBody>
+                    <a:bodyPr/>
+                    <a:lstStyle/>
+                    <a:p>
+                      <a:r>
+                        <a:rPr lang="en-IN" dirty="0" smtClean="0"/>
+                        <a:t>b</a:t>
+                      </a:r>
+                      <a:endParaRPr lang="en-IN" dirty="0"/>
+                    </a:p>
+                  </a:txBody>
+                  <a:tcPr/>
+                </a:tc>
+              </a:tr>
+              <a:tr h="240834">
+                <a:tc>
+                  <a:txBody>
+                    <a:bodyPr/>
+                    <a:lstStyle/>
+                    <a:p>
+                      <a:r>
+                        <a:rPr lang="en-IN" dirty="0" smtClean="0"/>
+                        <a:t>c</a:t>
+                      </a:r>
+                      <a:endParaRPr lang="en-IN" dirty="0"/>
+                    </a:p>
+                  </a:txBody>
+                  <a:tcPr/>
+                </a:tc>
+                <a:tc>
+                  <a:txBody>
+                    <a:bodyPr/>
+                    <a:lstStyle/>
+                    <a:p>
+                      <a:r>
+                        <a:rPr lang="en-IN" dirty="0" smtClean="0"/>
+                        <a:t>d</a:t>
+                      </a:r>
+                      <a:endParaRPr lang="en-IN" dirty="0"/>
+                    </a:p>
+                  </a:txBody>
+                  <a:tcPr/>
+                </a:tc>
+              </a:tr>
+            </a:tbl>
+          </a:graphicData>
+        </a:graphic>
+      </p:graphicFrame>
+      <p:sp>
+        <p:nvSpPr>
+          <p:cNvPr id="5" name="TextBox 4"/>
+          <p:cNvSpPr txBox="1"/>
+          <p:nvPr/>
+        </p:nvSpPr>
+        <p:spPr>
+          <a:xfrm>
+            <a:off x="1959429" y="4990012"/>
+            <a:ext cx="953589" cy="369332"/>
+          </a:xfrm>
+          <a:prstGeom prst="rect">
+            <a:avLst/>
+          </a:prstGeom>
+          <a:noFill/>
+        </p:spPr>
+        <p:txBody>
+          <a:bodyPr wrap="square" rtlCol="0">
+            <a:spAutoFit/>
+          </a:bodyPr>
+          <a:lstStyle/>
+          <a:p>
+            <a:r>
+              <a:rPr lang="en-IN" dirty="0" smtClean="0"/>
+              <a:t>Class</a:t>
+            </a:r>
+            <a:endParaRPr lang="en-IN" dirty="0"/>
+          </a:p>
+        </p:txBody>
+      </p:sp>
+      <p:sp>
+        <p:nvSpPr>
+          <p:cNvPr id="7" name="TextBox 6"/>
+          <p:cNvSpPr txBox="1"/>
+          <p:nvPr/>
+        </p:nvSpPr>
+        <p:spPr>
+          <a:xfrm>
+            <a:off x="1593669" y="5394960"/>
+            <a:ext cx="1371600" cy="369332"/>
+          </a:xfrm>
+          <a:prstGeom prst="rect">
+            <a:avLst/>
+          </a:prstGeom>
+          <a:noFill/>
+        </p:spPr>
+        <p:txBody>
+          <a:bodyPr wrap="square" rtlCol="0">
+            <a:spAutoFit/>
+          </a:bodyPr>
+          <a:lstStyle/>
+          <a:p>
+            <a:r>
+              <a:rPr lang="en-IN" dirty="0" smtClean="0"/>
+              <a:t>Non Class</a:t>
+            </a:r>
+            <a:endParaRPr lang="en-IN" dirty="0"/>
+          </a:p>
+        </p:txBody>
+      </p:sp>
+      <p:sp>
+        <p:nvSpPr>
+          <p:cNvPr id="8" name="TextBox 7"/>
+          <p:cNvSpPr txBox="1"/>
+          <p:nvPr/>
+        </p:nvSpPr>
+        <p:spPr>
+          <a:xfrm>
+            <a:off x="4188821" y="4659086"/>
+            <a:ext cx="1567543" cy="369332"/>
+          </a:xfrm>
+          <a:prstGeom prst="rect">
+            <a:avLst/>
+          </a:prstGeom>
+          <a:noFill/>
+        </p:spPr>
+        <p:txBody>
+          <a:bodyPr wrap="square" rtlCol="0">
+            <a:spAutoFit/>
+          </a:bodyPr>
+          <a:lstStyle/>
+          <a:p>
+            <a:r>
+              <a:rPr lang="en-IN" dirty="0" smtClean="0"/>
+              <a:t>Non Class</a:t>
+            </a:r>
+            <a:endParaRPr lang="en-IN" dirty="0"/>
+          </a:p>
+        </p:txBody>
+      </p:sp>
+      <p:sp>
+        <p:nvSpPr>
+          <p:cNvPr id="9" name="TextBox 8"/>
+          <p:cNvSpPr txBox="1"/>
+          <p:nvPr/>
+        </p:nvSpPr>
+        <p:spPr>
+          <a:xfrm>
+            <a:off x="2934789" y="4619897"/>
+            <a:ext cx="953589" cy="369332"/>
+          </a:xfrm>
+          <a:prstGeom prst="rect">
+            <a:avLst/>
+          </a:prstGeom>
+          <a:noFill/>
+        </p:spPr>
+        <p:txBody>
+          <a:bodyPr wrap="square" rtlCol="0">
+            <a:spAutoFit/>
+          </a:bodyPr>
+          <a:lstStyle/>
+          <a:p>
+            <a:r>
+              <a:rPr lang="en-IN" dirty="0" smtClean="0"/>
+              <a:t>Class</a:t>
+            </a:r>
+            <a:endParaRPr lang="en-IN" dirty="0"/>
+          </a:p>
+        </p:txBody>
+      </p:sp>
+      <p:sp>
+        <p:nvSpPr>
+          <p:cNvPr id="10" name="TextBox 9"/>
+          <p:cNvSpPr txBox="1"/>
+          <p:nvPr/>
+        </p:nvSpPr>
+        <p:spPr>
+          <a:xfrm>
+            <a:off x="6844936" y="4140923"/>
+            <a:ext cx="3709853" cy="1754326"/>
+          </a:xfrm>
+          <a:prstGeom prst="rect">
+            <a:avLst/>
+          </a:prstGeom>
+          <a:noFill/>
+        </p:spPr>
+        <p:txBody>
+          <a:bodyPr wrap="square" rtlCol="0">
+            <a:spAutoFit/>
+          </a:bodyPr>
+          <a:lstStyle/>
+          <a:p>
+            <a:r>
+              <a:rPr lang="en-IN" b="1" dirty="0" smtClean="0"/>
+              <a:t>FORMULAS</a:t>
+            </a:r>
+            <a:r>
+              <a:rPr lang="en-IN" dirty="0" smtClean="0"/>
+              <a:t>:</a:t>
+            </a:r>
+          </a:p>
+          <a:p>
+            <a:r>
+              <a:rPr lang="en-IN" dirty="0" smtClean="0"/>
+              <a:t>Precision=a/(</a:t>
+            </a:r>
+            <a:r>
+              <a:rPr lang="en-IN" dirty="0" err="1" smtClean="0"/>
+              <a:t>a+b</a:t>
+            </a:r>
+            <a:r>
+              <a:rPr lang="en-IN" dirty="0" smtClean="0"/>
+              <a:t>)</a:t>
+            </a:r>
+          </a:p>
+          <a:p>
+            <a:r>
+              <a:rPr lang="en-IN" dirty="0" smtClean="0"/>
+              <a:t>Recall=a/(</a:t>
+            </a:r>
+            <a:r>
+              <a:rPr lang="en-IN" dirty="0" err="1" smtClean="0"/>
+              <a:t>a+c</a:t>
+            </a:r>
+            <a:r>
+              <a:rPr lang="en-IN" dirty="0" smtClean="0"/>
+              <a:t>)</a:t>
+            </a:r>
+          </a:p>
+          <a:p>
+            <a:r>
+              <a:rPr lang="en-IN" dirty="0" smtClean="0"/>
+              <a:t>F1-Score=a</a:t>
+            </a:r>
+          </a:p>
+          <a:p>
+            <a:r>
+              <a:rPr lang="en-IN" dirty="0" smtClean="0"/>
+              <a:t>Accuracy=(</a:t>
+            </a:r>
+            <a:r>
+              <a:rPr lang="en-IN" dirty="0" err="1" smtClean="0"/>
+              <a:t>a+d</a:t>
+            </a:r>
+            <a:r>
+              <a:rPr lang="en-IN" dirty="0" smtClean="0"/>
+              <a:t>)</a:t>
+            </a:r>
+          </a:p>
+          <a:p>
+            <a:endParaRPr lang="en-IN" dirty="0"/>
+          </a:p>
+        </p:txBody>
+      </p:sp>
+      <p:sp>
+        <p:nvSpPr>
+          <p:cNvPr id="11" name="Left Brace 10"/>
+          <p:cNvSpPr/>
+          <p:nvPr/>
+        </p:nvSpPr>
+        <p:spPr>
+          <a:xfrm>
+            <a:off x="1306286" y="4741817"/>
+            <a:ext cx="470263" cy="1188720"/>
+          </a:xfrm>
+          <a:prstGeom prst="leftBrace">
+            <a:avLst/>
+          </a:prstGeom>
+        </p:spPr>
+        <p:style>
+          <a:lnRef idx="1">
+            <a:schemeClr val="accent1"/>
+          </a:lnRef>
+          <a:fillRef idx="0">
+            <a:schemeClr val="accent1"/>
+          </a:fillRef>
+          <a:effectRef idx="0">
+            <a:schemeClr val="accent1"/>
+          </a:effectRef>
+          <a:fontRef idx="minor">
+            <a:schemeClr val="tx1"/>
+          </a:fontRef>
+        </p:style>
+        <p:txBody>
+          <a:bodyPr rtlCol="0" anchor="ctr"/>
+          <a:lstStyle/>
+          <a:p>
+            <a:pPr algn="ctr"/>
+            <a:endParaRPr lang="en-IN"/>
+          </a:p>
+        </p:txBody>
+      </p:sp>
+      <p:sp>
+        <p:nvSpPr>
+          <p:cNvPr id="12" name="TextBox 11"/>
+          <p:cNvSpPr txBox="1"/>
+          <p:nvPr/>
+        </p:nvSpPr>
+        <p:spPr>
+          <a:xfrm>
+            <a:off x="0" y="4976949"/>
+            <a:ext cx="1371600" cy="646331"/>
+          </a:xfrm>
+          <a:prstGeom prst="rect">
+            <a:avLst/>
+          </a:prstGeom>
+          <a:noFill/>
+        </p:spPr>
+        <p:txBody>
+          <a:bodyPr wrap="square" rtlCol="0">
+            <a:spAutoFit/>
+          </a:bodyPr>
+          <a:lstStyle/>
+          <a:p>
+            <a:r>
+              <a:rPr lang="en-IN" dirty="0" smtClean="0"/>
+              <a:t>Predicted class</a:t>
+            </a:r>
+            <a:endParaRPr lang="en-IN" dirty="0"/>
+          </a:p>
+        </p:txBody>
+      </p:sp>
+      <p:sp>
+        <p:nvSpPr>
+          <p:cNvPr id="13" name="Right Brace 12"/>
+          <p:cNvSpPr/>
+          <p:nvPr/>
+        </p:nvSpPr>
+        <p:spPr>
+          <a:xfrm rot="16200000">
+            <a:off x="3899265" y="3233057"/>
+            <a:ext cx="705394" cy="2677885"/>
+          </a:xfrm>
+          <a:prstGeom prst="rightBrace">
+            <a:avLst/>
+          </a:prstGeom>
+        </p:spPr>
+        <p:style>
+          <a:lnRef idx="1">
+            <a:schemeClr val="accent1"/>
+          </a:lnRef>
+          <a:fillRef idx="0">
+            <a:schemeClr val="accent1"/>
+          </a:fillRef>
+          <a:effectRef idx="0">
+            <a:schemeClr val="accent1"/>
+          </a:effectRef>
+          <a:fontRef idx="minor">
+            <a:schemeClr val="tx1"/>
+          </a:fontRef>
+        </p:style>
+        <p:txBody>
+          <a:bodyPr rtlCol="0" anchor="ctr"/>
+          <a:lstStyle/>
+          <a:p>
+            <a:pPr algn="ctr"/>
+            <a:endParaRPr lang="en-IN"/>
+          </a:p>
+        </p:txBody>
+      </p:sp>
+      <p:sp>
+        <p:nvSpPr>
+          <p:cNvPr id="14" name="TextBox 13"/>
+          <p:cNvSpPr txBox="1"/>
+          <p:nvPr/>
+        </p:nvSpPr>
+        <p:spPr>
+          <a:xfrm>
+            <a:off x="3487783" y="3866605"/>
+            <a:ext cx="2717074" cy="369332"/>
+          </a:xfrm>
+          <a:prstGeom prst="rect">
+            <a:avLst/>
+          </a:prstGeom>
+          <a:noFill/>
+        </p:spPr>
+        <p:txBody>
+          <a:bodyPr wrap="square" rtlCol="0">
+            <a:spAutoFit/>
+          </a:bodyPr>
+          <a:lstStyle/>
+          <a:p>
+            <a:r>
+              <a:rPr lang="en-IN" dirty="0" smtClean="0"/>
+              <a:t>Actual class</a:t>
+            </a:r>
+            <a:endParaRPr lang="en-IN" dirty="0"/>
+          </a:p>
+        </p:txBody>
+      </p:sp>
+    </p:spTree>
+    <p:extLst>
+      <p:ext uri="{BB962C8B-B14F-4D97-AF65-F5344CB8AC3E}">
+        <p14:creationId xmlns:p14="http://schemas.microsoft.com/office/powerpoint/2010/main" val="1499796997"/>
+      </p:ext>
+    </p:extLst>
+  </p:cSld>
+  <p:clrMapOvr>
+    <a:masterClrMapping/>
+  </p:clrMapOvr>
+</p:sld>
+</file>
+
+<file path=ppt/slides/slide8.xml><?xml version="1.0" encoding="utf-8"?>
+<p:sld xmlns:a="http://schemas.openxmlformats.org/drawingml/2006/main" xmlns:r="http://schemas.openxmlformats.org/officeDocument/2006/relationships" xmlns:p="http://schemas.openxmlformats.org/presentationml/2006/main">
+  <p:cSld>
+    <p:spTree>
+      <p:nvGrpSpPr>
+        <p:cNvPr id="1" name=""/>
+        <p:cNvGrpSpPr/>
+        <p:nvPr/>
+      </p:nvGrpSpPr>
+      <p:grpSpPr>
+        <a:xfrm>
+          <a:off x="0" y="0"/>
+          <a:ext cx="0" cy="0"/>
+          <a:chOff x="0" y="0"/>
+          <a:chExt cx="0" cy="0"/>
+        </a:xfrm>
+      </p:grpSpPr>
+      <p:sp>
+        <p:nvSpPr>
+          <p:cNvPr id="2" name="Title 1"/>
+          <p:cNvSpPr>
+            <a:spLocks noGrp="1"/>
+          </p:cNvSpPr>
+          <p:nvPr>
+            <p:ph type="title"/>
+          </p:nvPr>
+        </p:nvSpPr>
+        <p:spPr/>
+        <p:txBody>
+          <a:bodyPr/>
+          <a:lstStyle/>
+          <a:p>
+            <a:r>
               <a:rPr lang="en-US" dirty="0" smtClean="0"/>
               <a:t>Corpus datasets</a:t>
             </a:r>
@@ -13447,207 +14641,6 @@
 </p:sld>
 </file>
 
-<file path=ppt/slides/slide8.xml><?xml version="1.0" encoding="utf-8"?>
-<p:sld xmlns:a="http://schemas.openxmlformats.org/drawingml/2006/main" xmlns:r="http://schemas.openxmlformats.org/officeDocument/2006/relationships" xmlns:p="http://schemas.openxmlformats.org/presentationml/2006/main">
-  <p:cSld>
-    <p:spTree>
-      <p:nvGrpSpPr>
-        <p:cNvPr id="1" name=""/>
-        <p:cNvGrpSpPr/>
-        <p:nvPr/>
-      </p:nvGrpSpPr>
-      <p:grpSpPr>
-        <a:xfrm>
-          <a:off x="0" y="0"/>
-          <a:ext cx="0" cy="0"/>
-          <a:chOff x="0" y="0"/>
-          <a:chExt cx="0" cy="0"/>
-        </a:xfrm>
-      </p:grpSpPr>
-      <p:sp>
-        <p:nvSpPr>
-          <p:cNvPr id="2" name="Title 1"/>
-          <p:cNvSpPr>
-            <a:spLocks noGrp="1"/>
-          </p:cNvSpPr>
-          <p:nvPr>
-            <p:ph type="title"/>
-          </p:nvPr>
-        </p:nvSpPr>
-        <p:spPr/>
-        <p:txBody>
-          <a:bodyPr/>
-          <a:lstStyle/>
-          <a:p>
-            <a:r>
-              <a:rPr lang="en-US" dirty="0" smtClean="0"/>
-              <a:t>Novelty and contributions</a:t>
-            </a:r>
-            <a:endParaRPr lang="en-US" dirty="0"/>
-          </a:p>
-        </p:txBody>
-      </p:sp>
-      <p:sp>
-        <p:nvSpPr>
-          <p:cNvPr id="3" name="Content Placeholder 2"/>
-          <p:cNvSpPr>
-            <a:spLocks noGrp="1"/>
-          </p:cNvSpPr>
-          <p:nvPr>
-            <p:ph idx="1"/>
-          </p:nvPr>
-        </p:nvSpPr>
-        <p:spPr>
-          <a:xfrm>
-            <a:off x="1103312" y="1352812"/>
-            <a:ext cx="8946541" cy="4895588"/>
-          </a:xfrm>
-        </p:spPr>
-        <p:txBody>
-          <a:bodyPr>
-            <a:normAutofit/>
-          </a:bodyPr>
-          <a:lstStyle/>
-          <a:p>
-            <a:pPr marL="0" indent="0" algn="just">
-              <a:buNone/>
-            </a:pPr>
-            <a:r>
-              <a:rPr lang="en-IN" b="1" u="sng" dirty="0" smtClean="0">
-                <a:latin typeface="Calibri" panose="020F0502020204030204" pitchFamily="34" charset="0"/>
-              </a:rPr>
-              <a:t>Novelty</a:t>
-            </a:r>
-            <a:r>
-              <a:rPr lang="en-IN" b="1" u="sng" dirty="0">
-                <a:latin typeface="Calibri" panose="020F0502020204030204" pitchFamily="34" charset="0"/>
-              </a:rPr>
-              <a:t>:</a:t>
-            </a:r>
-          </a:p>
-          <a:p>
-            <a:pPr marL="0" indent="0" algn="just">
-              <a:buNone/>
-            </a:pPr>
-            <a:r>
-              <a:rPr lang="en-IN" dirty="0">
-                <a:latin typeface="Calibri" panose="020F0502020204030204" pitchFamily="34" charset="0"/>
-              </a:rPr>
-              <a:t>   The weighting is done by taking the combinations of term frequency and the statistical measure variants</a:t>
-            </a:r>
-            <a:r>
-              <a:rPr lang="en-IN" dirty="0" smtClean="0">
-                <a:latin typeface="Calibri" panose="020F0502020204030204" pitchFamily="34" charset="0"/>
-              </a:rPr>
-              <a:t>.</a:t>
-            </a:r>
-          </a:p>
-          <a:p>
-            <a:pPr marL="0" indent="0" algn="just">
-              <a:buNone/>
-            </a:pPr>
-            <a:endParaRPr lang="en-IN" dirty="0">
-              <a:latin typeface="Calibri" panose="020F0502020204030204" pitchFamily="34" charset="0"/>
-            </a:endParaRPr>
-          </a:p>
-          <a:p>
-            <a:pPr marL="0" indent="0" algn="just">
-              <a:buNone/>
-            </a:pPr>
-            <a:r>
-              <a:rPr lang="en-IN" b="1" u="sng" dirty="0" smtClean="0">
-                <a:latin typeface="Calibri" panose="020F0502020204030204" pitchFamily="34" charset="0"/>
-              </a:rPr>
-              <a:t>Contributions:</a:t>
-            </a:r>
-            <a:endParaRPr lang="en-US" b="1" u="sng" dirty="0">
-              <a:latin typeface="Calibri" panose="020F0502020204030204" pitchFamily="34" charset="0"/>
-            </a:endParaRPr>
-          </a:p>
-          <a:p>
-            <a:pPr algn="just"/>
-            <a:r>
-              <a:rPr lang="en-US" b="1" dirty="0" smtClean="0">
-                <a:latin typeface="Calibri" panose="020F0502020204030204" pitchFamily="34" charset="0"/>
-              </a:rPr>
-              <a:t>To business sector:</a:t>
-            </a:r>
-          </a:p>
-          <a:p>
-            <a:pPr lvl="1" algn="just"/>
-            <a:r>
-              <a:rPr lang="en-US" dirty="0" smtClean="0">
-                <a:latin typeface="Calibri" panose="020F0502020204030204" pitchFamily="34" charset="0"/>
-              </a:rPr>
-              <a:t>Most positive and most negative review is given to vendor. Using this he can decide about product.</a:t>
-            </a:r>
-          </a:p>
-          <a:p>
-            <a:pPr algn="just"/>
-            <a:r>
-              <a:rPr lang="en-US" b="1" dirty="0" smtClean="0">
-                <a:latin typeface="Calibri" panose="020F0502020204030204" pitchFamily="34" charset="0"/>
-              </a:rPr>
-              <a:t>To movie industry sector:</a:t>
-            </a:r>
-          </a:p>
-          <a:p>
-            <a:pPr lvl="1" algn="just"/>
-            <a:r>
-              <a:rPr lang="en-US" dirty="0" smtClean="0">
-                <a:latin typeface="Calibri" panose="020F0502020204030204" pitchFamily="34" charset="0"/>
-              </a:rPr>
-              <a:t>Based on positive and negative reviews movie ratings are given accordingly.</a:t>
-            </a:r>
-          </a:p>
-          <a:p>
-            <a:pPr algn="just"/>
-            <a:endParaRPr lang="en-US" dirty="0" smtClean="0">
-              <a:latin typeface="Calibri" panose="020F0502020204030204" pitchFamily="34" charset="0"/>
-            </a:endParaRPr>
-          </a:p>
-          <a:p>
-            <a:pPr algn="just"/>
-            <a:r>
-              <a:rPr lang="en-US" dirty="0" smtClean="0">
-                <a:latin typeface="Calibri" panose="020F0502020204030204" pitchFamily="34" charset="0"/>
-              </a:rPr>
-              <a:t>Other than these two sectors this is also used in e-commerce, medical field etc.</a:t>
-            </a:r>
-            <a:endParaRPr lang="en-US" dirty="0">
-              <a:latin typeface="Calibri" panose="020F0502020204030204" pitchFamily="34" charset="0"/>
-            </a:endParaRPr>
-          </a:p>
-          <a:p>
-            <a:pPr marL="457200" lvl="1" indent="0" algn="just">
-              <a:buNone/>
-            </a:pPr>
-            <a:endParaRPr lang="en-US" dirty="0">
-              <a:latin typeface="Calibri" panose="020F0502020204030204" pitchFamily="34" charset="0"/>
-            </a:endParaRPr>
-          </a:p>
-        </p:txBody>
-      </p:sp>
-    </p:spTree>
-    <p:extLst>
-      <p:ext uri="{BB962C8B-B14F-4D97-AF65-F5344CB8AC3E}">
-        <p14:creationId xmlns:p14="http://schemas.microsoft.com/office/powerpoint/2010/main" val="2947506994"/>
-      </p:ext>
-    </p:extLst>
-  </p:cSld>
-  <p:clrMapOvr>
-    <a:masterClrMapping/>
-  </p:clrMapOvr>
-  <p:timing>
-    <p:tnLst>
-      <p:par>
-        <p:cTn id="1" dur="indefinite" restart="never" nodeType="tmRoot"/>
-      </p:par>
-    </p:tnLst>
-  </p:timing>
-</p:sld>
-</file>
-
 <file path=ppt/slides/slide9.xml><?xml version="1.0" encoding="utf-8"?>
 <p:sld xmlns:a="http://schemas.openxmlformats.org/drawingml/2006/main" xmlns:r="http://schemas.openxmlformats.org/officeDocument/2006/relationships" xmlns:p="http://schemas.openxmlformats.org/presentationml/2006/main">
   <p:cSld>
@@ -13682,7 +14675,7 @@
           <a:p>
             <a:r>
               <a:rPr lang="en-US" dirty="0" smtClean="0"/>
-              <a:t>Non-Functional requirements</a:t>
+              <a:t>Novelty and contributions</a:t>
             </a:r>
             <a:endParaRPr lang="en-US" dirty="0"/>
           </a:p>
@@ -13698,19 +14691,150 @@
             <p:ph idx="1"/>
           </p:nvPr>
         </p:nvSpPr>
-        <p:spPr/>
-        <p:txBody>
-          <a:bodyPr/>
+        <p:spPr>
+          <a:xfrm>
+            <a:off x="1103312" y="1352812"/>
+            <a:ext cx="8946541" cy="4895588"/>
+          </a:xfrm>
+        </p:spPr>
+        <p:txBody>
+          <a:bodyPr>
+            <a:normAutofit/>
+          </a:bodyPr>
           <a:lstStyle/>
           <a:p>
-            <a:endParaRPr lang="en-US"/>
+            <a:pPr marL="0" indent="0" algn="just">
+              <a:buNone/>
+            </a:pPr>
+            <a:r>
+              <a:rPr lang="en-IN" b="1" u="sng" dirty="0" smtClean="0">
+                <a:latin typeface="Calibri" panose="020F0502020204030204" pitchFamily="34" charset="0"/>
+              </a:rPr>
+              <a:t>Novelty</a:t>
+            </a:r>
+            <a:r>
+              <a:rPr lang="en-IN" b="1" u="sng" dirty="0">
+                <a:latin typeface="Calibri" panose="020F0502020204030204" pitchFamily="34" charset="0"/>
+              </a:rPr>
+              <a:t>:</a:t>
+            </a:r>
+          </a:p>
+          <a:p>
+            <a:r>
+              <a:rPr lang="en-IN" dirty="0" smtClean="0">
+                <a:latin typeface="Calibri" panose="020F0502020204030204" pitchFamily="34" charset="0"/>
+              </a:rPr>
+              <a:t>The </a:t>
+            </a:r>
+            <a:r>
+              <a:rPr lang="en-IN" dirty="0">
+                <a:latin typeface="Calibri" panose="020F0502020204030204" pitchFamily="34" charset="0"/>
+              </a:rPr>
+              <a:t>weighting is done by taking the combinations of term frequency and the statistical measures (chi-square, Mutual Index, Odds ratio </a:t>
+            </a:r>
+            <a:r>
+              <a:rPr lang="en-IN" dirty="0" err="1">
+                <a:latin typeface="Calibri" panose="020F0502020204030204" pitchFamily="34" charset="0"/>
+              </a:rPr>
+              <a:t>etc</a:t>
+            </a:r>
+            <a:r>
+              <a:rPr lang="en-IN" dirty="0">
+                <a:latin typeface="Calibri" panose="020F0502020204030204" pitchFamily="34" charset="0"/>
+              </a:rPr>
+              <a:t>) variants .</a:t>
+            </a:r>
+          </a:p>
+          <a:p>
+            <a:pPr marL="0" indent="0" algn="just">
+              <a:buNone/>
+            </a:pPr>
+            <a:endParaRPr lang="en-IN" dirty="0">
+              <a:latin typeface="Calibri" panose="020F0502020204030204" pitchFamily="34" charset="0"/>
+            </a:endParaRPr>
+          </a:p>
+          <a:p>
+            <a:pPr marL="0" indent="0" algn="just">
+              <a:buNone/>
+            </a:pPr>
+            <a:r>
+              <a:rPr lang="en-IN" b="1" u="sng" dirty="0" smtClean="0">
+                <a:latin typeface="Calibri" panose="020F0502020204030204" pitchFamily="34" charset="0"/>
+              </a:rPr>
+              <a:t>Contributions:</a:t>
+            </a:r>
+            <a:endParaRPr lang="en-US" b="1" u="sng" dirty="0">
+              <a:latin typeface="Calibri" panose="020F0502020204030204" pitchFamily="34" charset="0"/>
+            </a:endParaRPr>
+          </a:p>
+          <a:p>
+            <a:pPr algn="just"/>
+            <a:r>
+              <a:rPr lang="en-US" b="1" dirty="0" smtClean="0">
+                <a:latin typeface="Calibri" panose="020F0502020204030204" pitchFamily="34" charset="0"/>
+              </a:rPr>
+              <a:t>To business sector:</a:t>
+            </a:r>
+          </a:p>
+          <a:p>
+            <a:pPr lvl="1" algn="just"/>
+            <a:r>
+              <a:rPr lang="en-US" dirty="0" smtClean="0">
+                <a:latin typeface="Calibri" panose="020F0502020204030204" pitchFamily="34" charset="0"/>
+              </a:rPr>
+              <a:t>Most positive and most negative review is given to vendor. Using this he can decide about product.</a:t>
+            </a:r>
+          </a:p>
+          <a:p>
+            <a:pPr algn="just"/>
+            <a:r>
+              <a:rPr lang="en-US" b="1" dirty="0" smtClean="0">
+                <a:latin typeface="Calibri" panose="020F0502020204030204" pitchFamily="34" charset="0"/>
+              </a:rPr>
+              <a:t>To movie industry sector:</a:t>
+            </a:r>
+          </a:p>
+          <a:p>
+            <a:pPr lvl="1" algn="just"/>
+            <a:r>
+              <a:rPr lang="en-US" dirty="0" smtClean="0">
+                <a:latin typeface="Calibri" panose="020F0502020204030204" pitchFamily="34" charset="0"/>
+              </a:rPr>
+              <a:t>Based on positive and negative reviews movie ratings are given accordingly.</a:t>
+            </a:r>
+          </a:p>
+          <a:p>
+            <a:pPr algn="just"/>
+            <a:endParaRPr lang="en-US" dirty="0" smtClean="0">
+              <a:latin typeface="Calibri" panose="020F0502020204030204" pitchFamily="34" charset="0"/>
+            </a:endParaRPr>
+          </a:p>
+          <a:p>
+            <a:pPr algn="just"/>
+            <a:r>
+              <a:rPr lang="en-US" dirty="0" smtClean="0">
+                <a:latin typeface="Calibri" panose="020F0502020204030204" pitchFamily="34" charset="0"/>
+              </a:rPr>
+              <a:t>Other than these two sectors this is also used in e-commerce, medical field etc.</a:t>
+            </a:r>
+            <a:endParaRPr lang="en-US" dirty="0">
+              <a:latin typeface="Calibri" panose="020F0502020204030204" pitchFamily="34" charset="0"/>
+            </a:endParaRPr>
+          </a:p>
+          <a:p>
+            <a:pPr marL="457200" lvl="1" indent="0" algn="just">
+              <a:buNone/>
+            </a:pPr>
+            <a:endParaRPr lang="en-US" dirty="0">
+              <a:latin typeface="Calibri" panose="020F0502020204030204" pitchFamily="34" charset="0"/>
+            </a:endParaRPr>
           </a:p>
         </p:txBody>
       </p:sp>
     </p:spTree>
     <p:extLst>
       <p:ext uri="{BB962C8B-B14F-4D97-AF65-F5344CB8AC3E}">
-        <p14:creationId xmlns:p14="http://schemas.microsoft.com/office/powerpoint/2010/main" val="4290764866"/>
+        <p14:creationId xmlns:p14="http://schemas.microsoft.com/office/powerpoint/2010/main" val="2947506994"/>
       </p:ext>
     </p:extLst>
   </p:cSld>
